--- a/drawing_board/Drawing Board.pptx
+++ b/drawing_board/Drawing Board.pptx
@@ -264,7 +264,7 @@
           <a:p>
             <a:fld id="{1D0C252D-70ED-4EA0-A766-3ADE1FB24EA5}" type="datetimeFigureOut">
               <a:rPr lang="de-CH" smtClean="0"/>
-              <a:t>23.11.2018</a:t>
+              <a:t>26.11.2018</a:t>
             </a:fld>
             <a:endParaRPr lang="de-CH"/>
           </a:p>
@@ -464,7 +464,7 @@
           <a:p>
             <a:fld id="{1D0C252D-70ED-4EA0-A766-3ADE1FB24EA5}" type="datetimeFigureOut">
               <a:rPr lang="de-CH" smtClean="0"/>
-              <a:t>23.11.2018</a:t>
+              <a:t>26.11.2018</a:t>
             </a:fld>
             <a:endParaRPr lang="de-CH"/>
           </a:p>
@@ -674,7 +674,7 @@
           <a:p>
             <a:fld id="{1D0C252D-70ED-4EA0-A766-3ADE1FB24EA5}" type="datetimeFigureOut">
               <a:rPr lang="de-CH" smtClean="0"/>
-              <a:t>23.11.2018</a:t>
+              <a:t>26.11.2018</a:t>
             </a:fld>
             <a:endParaRPr lang="de-CH"/>
           </a:p>
@@ -874,7 +874,7 @@
           <a:p>
             <a:fld id="{1D0C252D-70ED-4EA0-A766-3ADE1FB24EA5}" type="datetimeFigureOut">
               <a:rPr lang="de-CH" smtClean="0"/>
-              <a:t>23.11.2018</a:t>
+              <a:t>26.11.2018</a:t>
             </a:fld>
             <a:endParaRPr lang="de-CH"/>
           </a:p>
@@ -1150,7 +1150,7 @@
           <a:p>
             <a:fld id="{1D0C252D-70ED-4EA0-A766-3ADE1FB24EA5}" type="datetimeFigureOut">
               <a:rPr lang="de-CH" smtClean="0"/>
-              <a:t>23.11.2018</a:t>
+              <a:t>26.11.2018</a:t>
             </a:fld>
             <a:endParaRPr lang="de-CH"/>
           </a:p>
@@ -1418,7 +1418,7 @@
           <a:p>
             <a:fld id="{1D0C252D-70ED-4EA0-A766-3ADE1FB24EA5}" type="datetimeFigureOut">
               <a:rPr lang="de-CH" smtClean="0"/>
-              <a:t>23.11.2018</a:t>
+              <a:t>26.11.2018</a:t>
             </a:fld>
             <a:endParaRPr lang="de-CH"/>
           </a:p>
@@ -1833,7 +1833,7 @@
           <a:p>
             <a:fld id="{1D0C252D-70ED-4EA0-A766-3ADE1FB24EA5}" type="datetimeFigureOut">
               <a:rPr lang="de-CH" smtClean="0"/>
-              <a:t>23.11.2018</a:t>
+              <a:t>26.11.2018</a:t>
             </a:fld>
             <a:endParaRPr lang="de-CH"/>
           </a:p>
@@ -1975,7 +1975,7 @@
           <a:p>
             <a:fld id="{1D0C252D-70ED-4EA0-A766-3ADE1FB24EA5}" type="datetimeFigureOut">
               <a:rPr lang="de-CH" smtClean="0"/>
-              <a:t>23.11.2018</a:t>
+              <a:t>26.11.2018</a:t>
             </a:fld>
             <a:endParaRPr lang="de-CH"/>
           </a:p>
@@ -2088,7 +2088,7 @@
           <a:p>
             <a:fld id="{1D0C252D-70ED-4EA0-A766-3ADE1FB24EA5}" type="datetimeFigureOut">
               <a:rPr lang="de-CH" smtClean="0"/>
-              <a:t>23.11.2018</a:t>
+              <a:t>26.11.2018</a:t>
             </a:fld>
             <a:endParaRPr lang="de-CH"/>
           </a:p>
@@ -2401,7 +2401,7 @@
           <a:p>
             <a:fld id="{1D0C252D-70ED-4EA0-A766-3ADE1FB24EA5}" type="datetimeFigureOut">
               <a:rPr lang="de-CH" smtClean="0"/>
-              <a:t>23.11.2018</a:t>
+              <a:t>26.11.2018</a:t>
             </a:fld>
             <a:endParaRPr lang="de-CH"/>
           </a:p>
@@ -2690,7 +2690,7 @@
           <a:p>
             <a:fld id="{1D0C252D-70ED-4EA0-A766-3ADE1FB24EA5}" type="datetimeFigureOut">
               <a:rPr lang="de-CH" smtClean="0"/>
-              <a:t>23.11.2018</a:t>
+              <a:t>26.11.2018</a:t>
             </a:fld>
             <a:endParaRPr lang="de-CH"/>
           </a:p>
@@ -2933,7 +2933,7 @@
           <a:p>
             <a:fld id="{1D0C252D-70ED-4EA0-A766-3ADE1FB24EA5}" type="datetimeFigureOut">
               <a:rPr lang="de-CH" smtClean="0"/>
-              <a:t>23.11.2018</a:t>
+              <a:t>26.11.2018</a:t>
             </a:fld>
             <a:endParaRPr lang="de-CH"/>
           </a:p>
@@ -5162,6 +5162,66 @@
           <a:p>
             <a:pPr algn="ctr"/>
             <a:endParaRPr lang="de-CH"/>
+          </a:p>
+        </p:txBody>
+      </p:sp>
+      <p:sp>
+        <p:nvSpPr>
+          <p:cNvPr id="5" name="Ellipse 4">
+            <a:extLst>
+              <a:ext uri="{FF2B5EF4-FFF2-40B4-BE49-F238E27FC236}">
+                <a16:creationId xmlns:a16="http://schemas.microsoft.com/office/drawing/2014/main" id="{1D9DCE1A-1400-4E30-B4FA-E54B63C00E13}"/>
+              </a:ext>
+            </a:extLst>
+          </p:cNvPr>
+          <p:cNvSpPr/>
+          <p:nvPr/>
+        </p:nvSpPr>
+        <p:spPr>
+          <a:xfrm>
+            <a:off x="6135741" y="3941577"/>
+            <a:ext cx="655151" cy="593467"/>
+          </a:xfrm>
+          <a:prstGeom prst="ellipse">
+            <a:avLst/>
+          </a:prstGeom>
+          <a:noFill/>
+          <a:ln w="38100">
+            <a:solidFill>
+              <a:schemeClr val="accent1"/>
+            </a:solidFill>
+          </a:ln>
+        </p:spPr>
+        <p:style>
+          <a:lnRef idx="2">
+            <a:schemeClr val="accent1">
+              <a:shade val="50000"/>
+            </a:schemeClr>
+          </a:lnRef>
+          <a:fillRef idx="1">
+            <a:schemeClr val="accent1"/>
+          </a:fillRef>
+          <a:effectRef idx="0">
+            <a:schemeClr val="accent1"/>
+          </a:effectRef>
+          <a:fontRef idx="minor">
+            <a:schemeClr val="lt1"/>
+          </a:fontRef>
+        </p:style>
+        <p:txBody>
+          <a:bodyPr rtlCol="0" anchor="ctr"/>
+          <a:lstStyle/>
+          <a:p>
+            <a:pPr algn="ctr"/>
+            <a:r>
+              <a:rPr lang="de-CH" dirty="0">
+                <a:solidFill>
+                  <a:schemeClr val="tx1"/>
+                </a:solidFill>
+              </a:rPr>
+              <a:t>1</a:t>
+            </a:r>
+            <a:endParaRPr lang="de-CH" dirty="0"/>
           </a:p>
         </p:txBody>
       </p:sp>
@@ -6894,6 +6954,66 @@
           <a:p>
             <a:pPr algn="ctr"/>
             <a:endParaRPr lang="de-CH"/>
+          </a:p>
+        </p:txBody>
+      </p:sp>
+      <p:sp>
+        <p:nvSpPr>
+          <p:cNvPr id="54" name="Ellipse 53">
+            <a:extLst>
+              <a:ext uri="{FF2B5EF4-FFF2-40B4-BE49-F238E27FC236}">
+                <a16:creationId xmlns:a16="http://schemas.microsoft.com/office/drawing/2014/main" id="{46B1DFC4-A427-40B1-A5B9-E59736861CCA}"/>
+              </a:ext>
+            </a:extLst>
+          </p:cNvPr>
+          <p:cNvSpPr/>
+          <p:nvPr/>
+        </p:nvSpPr>
+        <p:spPr>
+          <a:xfrm>
+            <a:off x="7119191" y="887239"/>
+            <a:ext cx="655151" cy="593467"/>
+          </a:xfrm>
+          <a:prstGeom prst="ellipse">
+            <a:avLst/>
+          </a:prstGeom>
+          <a:noFill/>
+          <a:ln w="38100">
+            <a:solidFill>
+              <a:schemeClr val="accent1"/>
+            </a:solidFill>
+          </a:ln>
+        </p:spPr>
+        <p:style>
+          <a:lnRef idx="2">
+            <a:schemeClr val="accent1">
+              <a:shade val="50000"/>
+            </a:schemeClr>
+          </a:lnRef>
+          <a:fillRef idx="1">
+            <a:schemeClr val="accent1"/>
+          </a:fillRef>
+          <a:effectRef idx="0">
+            <a:schemeClr val="accent1"/>
+          </a:effectRef>
+          <a:fontRef idx="minor">
+            <a:schemeClr val="lt1"/>
+          </a:fontRef>
+        </p:style>
+        <p:txBody>
+          <a:bodyPr rtlCol="0" anchor="ctr"/>
+          <a:lstStyle/>
+          <a:p>
+            <a:pPr algn="ctr"/>
+            <a:r>
+              <a:rPr lang="de-CH" dirty="0">
+                <a:solidFill>
+                  <a:schemeClr val="tx1"/>
+                </a:solidFill>
+              </a:rPr>
+              <a:t>2</a:t>
+            </a:r>
+            <a:endParaRPr lang="de-CH" dirty="0"/>
           </a:p>
         </p:txBody>
       </p:sp>
@@ -8632,6 +8752,66 @@
           </a:p>
         </p:txBody>
       </p:sp>
+      <p:sp>
+        <p:nvSpPr>
+          <p:cNvPr id="60" name="Ellipse 59">
+            <a:extLst>
+              <a:ext uri="{FF2B5EF4-FFF2-40B4-BE49-F238E27FC236}">
+                <a16:creationId xmlns:a16="http://schemas.microsoft.com/office/drawing/2014/main" id="{2B5E4919-F21F-43AF-9A3A-D4A58F919F2A}"/>
+              </a:ext>
+            </a:extLst>
+          </p:cNvPr>
+          <p:cNvSpPr/>
+          <p:nvPr/>
+        </p:nvSpPr>
+        <p:spPr>
+          <a:xfrm>
+            <a:off x="7057706" y="998694"/>
+            <a:ext cx="655151" cy="593467"/>
+          </a:xfrm>
+          <a:prstGeom prst="ellipse">
+            <a:avLst/>
+          </a:prstGeom>
+          <a:noFill/>
+          <a:ln w="38100">
+            <a:solidFill>
+              <a:schemeClr val="accent1"/>
+            </a:solidFill>
+          </a:ln>
+        </p:spPr>
+        <p:style>
+          <a:lnRef idx="2">
+            <a:schemeClr val="accent1">
+              <a:shade val="50000"/>
+            </a:schemeClr>
+          </a:lnRef>
+          <a:fillRef idx="1">
+            <a:schemeClr val="accent1"/>
+          </a:fillRef>
+          <a:effectRef idx="0">
+            <a:schemeClr val="accent1"/>
+          </a:effectRef>
+          <a:fontRef idx="minor">
+            <a:schemeClr val="lt1"/>
+          </a:fontRef>
+        </p:style>
+        <p:txBody>
+          <a:bodyPr rtlCol="0" anchor="ctr"/>
+          <a:lstStyle/>
+          <a:p>
+            <a:pPr algn="ctr"/>
+            <a:r>
+              <a:rPr lang="de-CH" dirty="0">
+                <a:solidFill>
+                  <a:schemeClr val="tx1"/>
+                </a:solidFill>
+              </a:rPr>
+              <a:t>3</a:t>
+            </a:r>
+            <a:endParaRPr lang="de-CH" dirty="0"/>
+          </a:p>
+        </p:txBody>
+      </p:sp>
     </p:spTree>
     <p:extLst>
       <p:ext uri="{BB962C8B-B14F-4D97-AF65-F5344CB8AC3E}">
@@ -8662,53 +8842,149 @@
           <a:chExt cx="0" cy="0"/>
         </a:xfrm>
       </p:grpSpPr>
-      <p:sp>
-        <p:nvSpPr>
-          <p:cNvPr id="2" name="Titel 1">
-            <a:extLst>
-              <a:ext uri="{FF2B5EF4-FFF2-40B4-BE49-F238E27FC236}">
-                <a16:creationId xmlns:a16="http://schemas.microsoft.com/office/drawing/2014/main" id="{110BECFC-E0B5-4A36-8224-AE0EF51E9E33}"/>
-              </a:ext>
-            </a:extLst>
-          </p:cNvPr>
-          <p:cNvSpPr>
-            <a:spLocks noGrp="1"/>
-          </p:cNvSpPr>
-          <p:nvPr>
-            <p:ph type="title"/>
-          </p:nvPr>
-        </p:nvSpPr>
-        <p:spPr/>
-        <p:txBody>
-          <a:bodyPr/>
+      <p:pic>
+        <p:nvPicPr>
+          <p:cNvPr id="12" name="Grafik 11">
+            <a:extLst>
+              <a:ext uri="{FF2B5EF4-FFF2-40B4-BE49-F238E27FC236}">
+                <a16:creationId xmlns:a16="http://schemas.microsoft.com/office/drawing/2014/main" id="{585DD845-9D1C-46A5-873C-63975AB71898}"/>
+              </a:ext>
+            </a:extLst>
+          </p:cNvPr>
+          <p:cNvPicPr>
+            <a:picLocks noChangeAspect="1"/>
+          </p:cNvPicPr>
+          <p:nvPr/>
+        </p:nvPicPr>
+        <p:blipFill>
+          <a:blip r:embed="rId2"/>
+          <a:stretch>
+            <a:fillRect/>
+          </a:stretch>
+        </p:blipFill>
+        <p:spPr>
+          <a:xfrm>
+            <a:off x="5934944" y="3332013"/>
+            <a:ext cx="3143068" cy="2842316"/>
+          </a:xfrm>
+          <a:prstGeom prst="rect">
+            <a:avLst/>
+          </a:prstGeom>
+        </p:spPr>
+      </p:pic>
+      <p:pic>
+        <p:nvPicPr>
+          <p:cNvPr id="13" name="Grafik 12">
+            <a:extLst>
+              <a:ext uri="{FF2B5EF4-FFF2-40B4-BE49-F238E27FC236}">
+                <a16:creationId xmlns:a16="http://schemas.microsoft.com/office/drawing/2014/main" id="{99FE8BBA-23F3-4931-AAF5-2CC6D7400C2F}"/>
+              </a:ext>
+            </a:extLst>
+          </p:cNvPr>
+          <p:cNvPicPr>
+            <a:picLocks noChangeAspect="1"/>
+          </p:cNvPicPr>
+          <p:nvPr/>
+        </p:nvPicPr>
+        <p:blipFill>
+          <a:blip r:embed="rId3"/>
+          <a:stretch>
+            <a:fillRect/>
+          </a:stretch>
+        </p:blipFill>
+        <p:spPr>
+          <a:xfrm>
+            <a:off x="3177597" y="3384224"/>
+            <a:ext cx="2912117" cy="2814764"/>
+          </a:xfrm>
+          <a:prstGeom prst="rect">
+            <a:avLst/>
+          </a:prstGeom>
+        </p:spPr>
+      </p:pic>
+      <p:pic>
+        <p:nvPicPr>
+          <p:cNvPr id="14" name="Grafik 13">
+            <a:extLst>
+              <a:ext uri="{FF2B5EF4-FFF2-40B4-BE49-F238E27FC236}">
+                <a16:creationId xmlns:a16="http://schemas.microsoft.com/office/drawing/2014/main" id="{D2E3BF01-77DC-407C-851E-2775D7B3EDF0}"/>
+              </a:ext>
+            </a:extLst>
+          </p:cNvPr>
+          <p:cNvPicPr>
+            <a:picLocks noChangeAspect="1"/>
+          </p:cNvPicPr>
+          <p:nvPr/>
+        </p:nvPicPr>
+        <p:blipFill>
+          <a:blip r:embed="rId4"/>
+          <a:stretch>
+            <a:fillRect/>
+          </a:stretch>
+        </p:blipFill>
+        <p:spPr>
+          <a:xfrm>
+            <a:off x="3923891" y="659012"/>
+            <a:ext cx="4022106" cy="2306052"/>
+          </a:xfrm>
+          <a:prstGeom prst="rect">
+            <a:avLst/>
+          </a:prstGeom>
+        </p:spPr>
+      </p:pic>
+      <p:sp>
+        <p:nvSpPr>
+          <p:cNvPr id="15" name="Ellipse 14">
+            <a:extLst>
+              <a:ext uri="{FF2B5EF4-FFF2-40B4-BE49-F238E27FC236}">
+                <a16:creationId xmlns:a16="http://schemas.microsoft.com/office/drawing/2014/main" id="{29482F13-CC53-44EC-B27A-2B5DD0C35D17}"/>
+              </a:ext>
+            </a:extLst>
+          </p:cNvPr>
+          <p:cNvSpPr/>
+          <p:nvPr/>
+        </p:nvSpPr>
+        <p:spPr>
+          <a:xfrm>
+            <a:off x="5934944" y="1941922"/>
+            <a:ext cx="296564" cy="273378"/>
+          </a:xfrm>
+          <a:prstGeom prst="ellipse">
+            <a:avLst/>
+          </a:prstGeom>
+          <a:solidFill>
+            <a:schemeClr val="bg1"/>
+          </a:solidFill>
+        </p:spPr>
+        <p:style>
+          <a:lnRef idx="2">
+            <a:schemeClr val="accent1">
+              <a:shade val="50000"/>
+            </a:schemeClr>
+          </a:lnRef>
+          <a:fillRef idx="1">
+            <a:schemeClr val="accent1"/>
+          </a:fillRef>
+          <a:effectRef idx="0">
+            <a:schemeClr val="accent1"/>
+          </a:effectRef>
+          <a:fontRef idx="minor">
+            <a:schemeClr val="lt1"/>
+          </a:fontRef>
+        </p:style>
+        <p:txBody>
+          <a:bodyPr rtlCol="0" anchor="ctr"/>
           <a:lstStyle/>
           <a:p>
-            <a:endParaRPr lang="de-CH"/>
-          </a:p>
-        </p:txBody>
-      </p:sp>
-      <p:sp>
-        <p:nvSpPr>
-          <p:cNvPr id="3" name="Inhaltsplatzhalter 2">
-            <a:extLst>
-              <a:ext uri="{FF2B5EF4-FFF2-40B4-BE49-F238E27FC236}">
-                <a16:creationId xmlns:a16="http://schemas.microsoft.com/office/drawing/2014/main" id="{BD15DBF9-162A-4A36-9C36-D19A0F95BAA1}"/>
-              </a:ext>
-            </a:extLst>
-          </p:cNvPr>
-          <p:cNvSpPr>
-            <a:spLocks noGrp="1"/>
-          </p:cNvSpPr>
-          <p:nvPr>
-            <p:ph idx="1"/>
-          </p:nvPr>
-        </p:nvSpPr>
-        <p:spPr/>
-        <p:txBody>
-          <a:bodyPr/>
-          <a:lstStyle/>
-          <a:p>
-            <a:endParaRPr lang="de-CH"/>
+            <a:pPr algn="ctr"/>
+            <a:r>
+              <a:rPr lang="de-CH" sz="1200" dirty="0">
+                <a:solidFill>
+                  <a:schemeClr val="tx1"/>
+                </a:solidFill>
+              </a:rPr>
+              <a:t>1</a:t>
+            </a:r>
           </a:p>
         </p:txBody>
       </p:sp>
